--- a/Courses/Computer-Modeling-and-IT/Computer-Modeling-and-IT-5-Class/31-Diagrams-Аnd-Cell-Layout-Characteristics/31-Diagrams-Аnd-Cell-Layout-Characteristics.pptx
+++ b/Courses/Computer-Modeling-and-IT/Computer-Modeling-and-IT-5-Class/31-Diagrams-Аnd-Cell-Layout-Characteristics/31-Diagrams-Аnd-Cell-Layout-Characteristics.pptx
@@ -246,7 +246,6 @@
           </a:p>
         </c:rich>
       </c:tx>
-      <c:layout/>
       <c:overlay val="0"/>
       <c:spPr>
         <a:noFill/>
@@ -616,7 +615,6 @@
     </c:plotArea>
     <c:legend>
       <c:legendPos val="t"/>
-      <c:layout/>
       <c:overlay val="0"/>
       <c:spPr>
         <a:noFill/>
@@ -714,7 +712,6 @@
           </a:p>
         </c:rich>
       </c:tx>
-      <c:layout/>
       <c:overlay val="0"/>
       <c:spPr>
         <a:noFill/>
@@ -1189,7 +1186,6 @@
     </c:plotArea>
     <c:legend>
       <c:legendPos val="b"/>
-      <c:layout/>
       <c:overlay val="0"/>
       <c:spPr>
         <a:noFill/>
@@ -2426,7 +2422,7 @@
           <a:p>
             <a:fld id="{4E087215-0C8F-4762-A664-737A353EC9A4}" type="datetimeFigureOut">
               <a:rPr lang="bg-BG" smtClean="0"/>
-              <a:t>5.10.2023 г.</a:t>
+              <a:t>7.10.2023 г.</a:t>
             </a:fld>
             <a:endParaRPr lang="bg-BG"/>
           </a:p>
@@ -2622,7 +2618,7 @@
           <a:p>
             <a:fld id="{72D84649-876A-46C9-8472-14CB09C070D8}" type="datetimeFigureOut">
               <a:rPr lang="en-US" smtClean="0"/>
-              <a:t>10/5/2023</a:t>
+              <a:t>10/7/2023</a:t>
             </a:fld>
             <a:endParaRPr lang="en-US"/>
           </a:p>
@@ -9932,12 +9928,7 @@
             <p:ph type="body" sz="quarter" idx="10"/>
           </p:nvPr>
         </p:nvSpPr>
-        <p:spPr>
-          <a:xfrm>
-            <a:off x="190402" y="1196125"/>
-            <a:ext cx="11800598" cy="5528766"/>
-          </a:xfrm>
-        </p:spPr>
+        <p:spPr/>
         <p:txBody>
           <a:bodyPr/>
           <a:lstStyle/>
@@ -15273,7 +15264,7 @@
                 <a:hlinkClick r:id="rId3">
                   <a:extLst>
                     <a:ext uri="{A12FA001-AC4F-418D-AE19-62706E023703}">
-                      <ahyp:hlinkClr xmlns="" xmlns:ahyp="http://schemas.microsoft.com/office/drawing/2018/hyperlinkcolor" val="tx"/>
+                      <ahyp:hlinkClr xmlns:ahyp="http://schemas.microsoft.com/office/drawing/2018/hyperlinkcolor" xmlns="" val="tx"/>
                     </a:ext>
                   </a:extLst>
                 </a:hlinkClick>
